--- a/Unit20/20.3.2 Story Telling.pptx
+++ b/Unit20/20.3.2 Story Telling.pptx
@@ -6,6 +6,12 @@
   </p:sldMasterIdLst>
   <p:sldIdLst>
     <p:sldId id="256" r:id="rId2"/>
+    <p:sldId id="257" r:id="rId3"/>
+    <p:sldId id="258" r:id="rId4"/>
+    <p:sldId id="260" r:id="rId5"/>
+    <p:sldId id="259" r:id="rId6"/>
+    <p:sldId id="261" r:id="rId7"/>
+    <p:sldId id="262" r:id="rId8"/>
   </p:sldIdLst>
   <p:sldSz cx="12192000" cy="6858000"/>
   <p:notesSz cx="6858000" cy="9144000"/>
@@ -3344,12 +3350,14 @@
         </p:nvSpPr>
         <p:spPr/>
         <p:txBody>
-          <a:bodyPr/>
+          <a:bodyPr>
+            <a:normAutofit/>
+          </a:bodyPr>
           <a:lstStyle/>
           <a:p>
             <a:r>
               <a:rPr lang="en-US" dirty="0"/>
-              <a:t>Ramen</a:t>
+              <a:t>Is Instant Ramen becoming more popular.</a:t>
             </a:r>
           </a:p>
         </p:txBody>
@@ -3383,9 +3391,19 @@
           <a:lstStyle/>
           <a:p>
             <a:r>
-              <a:rPr lang="en-US" sz="800" dirty="0"/>
-              <a:t>Source of ramen Data: https://www.kaggle.com/residentmario/ramen-ratings?select=ramen-ratings.csv</a:t>
-            </a:r>
+              <a:rPr lang="en-US" sz="1000" dirty="0"/>
+              <a:t>Source of dataset:        </a:t>
+            </a:r>
+            <a:r>
+              <a:rPr lang="en-US" sz="1000" dirty="0">
+                <a:hlinkClick r:id="rId2"/>
+              </a:rPr>
+              <a:t>https://www.kaggle.com/epa/fuel-economy</a:t>
+            </a:r>
+            <a:endParaRPr lang="en-US" sz="1000" dirty="0"/>
+          </a:p>
+          <a:p>
+            <a:endParaRPr lang="en-US" sz="1000" dirty="0"/>
           </a:p>
         </p:txBody>
       </p:sp>
@@ -3393,6 +3411,756 @@
     <p:extLst>
       <p:ext uri="{BB962C8B-B14F-4D97-AF65-F5344CB8AC3E}">
         <p14:creationId xmlns:p14="http://schemas.microsoft.com/office/powerpoint/2010/main" val="556966746"/>
+      </p:ext>
+    </p:extLst>
+  </p:cSld>
+  <p:clrMapOvr>
+    <a:masterClrMapping/>
+  </p:clrMapOvr>
+</p:sld>
+</file>
+
+<file path=ppt/slides/slide2.xml><?xml version="1.0" encoding="utf-8"?>
+<p:sld xmlns:a="http://schemas.openxmlformats.org/drawingml/2006/main" xmlns:r="http://schemas.openxmlformats.org/officeDocument/2006/relationships" xmlns:p="http://schemas.openxmlformats.org/presentationml/2006/main">
+  <p:cSld>
+    <p:spTree>
+      <p:nvGrpSpPr>
+        <p:cNvPr id="1" name=""/>
+        <p:cNvGrpSpPr/>
+        <p:nvPr/>
+      </p:nvGrpSpPr>
+      <p:grpSpPr>
+        <a:xfrm>
+          <a:off x="0" y="0"/>
+          <a:ext cx="0" cy="0"/>
+          <a:chOff x="0" y="0"/>
+          <a:chExt cx="0" cy="0"/>
+        </a:xfrm>
+      </p:grpSpPr>
+      <p:sp>
+        <p:nvSpPr>
+          <p:cNvPr id="3" name="Content Placeholder 2">
+            <a:extLst>
+              <a:ext uri="{FF2B5EF4-FFF2-40B4-BE49-F238E27FC236}">
+                <a16:creationId xmlns:a16="http://schemas.microsoft.com/office/drawing/2014/main" id="{74B7AEA3-279F-433F-B93F-86C38D7C84CC}"/>
+              </a:ext>
+            </a:extLst>
+          </p:cNvPr>
+          <p:cNvSpPr>
+            <a:spLocks noGrp="1"/>
+          </p:cNvSpPr>
+          <p:nvPr>
+            <p:ph idx="1"/>
+          </p:nvPr>
+        </p:nvSpPr>
+        <p:spPr>
+          <a:xfrm>
+            <a:off x="838200" y="378069"/>
+            <a:ext cx="6385560" cy="5798894"/>
+          </a:xfrm>
+        </p:spPr>
+        <p:txBody>
+          <a:bodyPr/>
+          <a:lstStyle/>
+          <a:p>
+            <a:r>
+              <a:rPr lang="en-US" dirty="0"/>
+              <a:t>How many of you eat instant noodle / instant ramen every week, month, or once every couple month?</a:t>
+            </a:r>
+          </a:p>
+          <a:p>
+            <a:r>
+              <a:rPr lang="en-US" dirty="0"/>
+              <a:t>Is this a snack for you or a full meal replacement.  	</a:t>
+            </a:r>
+          </a:p>
+          <a:p>
+            <a:pPr lvl="1"/>
+            <a:r>
+              <a:rPr lang="en-US" dirty="0"/>
+              <a:t>It is a meal replacement for me.  I can add sliced beef with vegetable.  I can even add a side of dumplings with this meal.</a:t>
+            </a:r>
+          </a:p>
+          <a:p>
+            <a:pPr marL="0" indent="0">
+              <a:buNone/>
+            </a:pPr>
+            <a:endParaRPr lang="en-US" dirty="0"/>
+          </a:p>
+        </p:txBody>
+      </p:sp>
+      <p:pic>
+        <p:nvPicPr>
+          <p:cNvPr id="4" name="Picture 3">
+            <a:extLst>
+              <a:ext uri="{FF2B5EF4-FFF2-40B4-BE49-F238E27FC236}">
+                <a16:creationId xmlns:a16="http://schemas.microsoft.com/office/drawing/2014/main" id="{64CE6353-E305-4FA3-AD4E-9D287E38E6BD}"/>
+              </a:ext>
+            </a:extLst>
+          </p:cNvPr>
+          <p:cNvPicPr>
+            <a:picLocks noChangeAspect="1"/>
+          </p:cNvPicPr>
+          <p:nvPr/>
+        </p:nvPicPr>
+        <p:blipFill>
+          <a:blip r:embed="rId2"/>
+          <a:stretch>
+            <a:fillRect/>
+          </a:stretch>
+        </p:blipFill>
+        <p:spPr>
+          <a:xfrm>
+            <a:off x="7616462" y="701900"/>
+            <a:ext cx="4012382" cy="5189447"/>
+          </a:xfrm>
+          <a:prstGeom prst="rect">
+            <a:avLst/>
+          </a:prstGeom>
+        </p:spPr>
+      </p:pic>
+    </p:spTree>
+    <p:extLst>
+      <p:ext uri="{BB962C8B-B14F-4D97-AF65-F5344CB8AC3E}">
+        <p14:creationId xmlns:p14="http://schemas.microsoft.com/office/powerpoint/2010/main" val="1666862139"/>
+      </p:ext>
+    </p:extLst>
+  </p:cSld>
+  <p:clrMapOvr>
+    <a:masterClrMapping/>
+  </p:clrMapOvr>
+</p:sld>
+</file>
+
+<file path=ppt/slides/slide3.xml><?xml version="1.0" encoding="utf-8"?>
+<p:sld xmlns:a="http://schemas.openxmlformats.org/drawingml/2006/main" xmlns:r="http://schemas.openxmlformats.org/officeDocument/2006/relationships" xmlns:p="http://schemas.openxmlformats.org/presentationml/2006/main">
+  <p:cSld>
+    <p:spTree>
+      <p:nvGrpSpPr>
+        <p:cNvPr id="1" name=""/>
+        <p:cNvGrpSpPr/>
+        <p:nvPr/>
+      </p:nvGrpSpPr>
+      <p:grpSpPr>
+        <a:xfrm>
+          <a:off x="0" y="0"/>
+          <a:ext cx="0" cy="0"/>
+          <a:chOff x="0" y="0"/>
+          <a:chExt cx="0" cy="0"/>
+        </a:xfrm>
+      </p:grpSpPr>
+      <p:sp>
+        <p:nvSpPr>
+          <p:cNvPr id="3" name="Content Placeholder 2">
+            <a:extLst>
+              <a:ext uri="{FF2B5EF4-FFF2-40B4-BE49-F238E27FC236}">
+                <a16:creationId xmlns:a16="http://schemas.microsoft.com/office/drawing/2014/main" id="{976B2590-4FD5-423A-9EF2-304D470D2E56}"/>
+              </a:ext>
+            </a:extLst>
+          </p:cNvPr>
+          <p:cNvSpPr>
+            <a:spLocks noGrp="1"/>
+          </p:cNvSpPr>
+          <p:nvPr>
+            <p:ph idx="1"/>
+          </p:nvPr>
+        </p:nvSpPr>
+        <p:spPr>
+          <a:xfrm>
+            <a:off x="644518" y="350105"/>
+            <a:ext cx="6291859" cy="2314718"/>
+          </a:xfrm>
+        </p:spPr>
+        <p:txBody>
+          <a:bodyPr/>
+          <a:lstStyle/>
+          <a:p>
+            <a:pPr marL="0" indent="0">
+              <a:buNone/>
+            </a:pPr>
+            <a:r>
+              <a:rPr lang="en-US" dirty="0"/>
+              <a:t>I want to know how my ramen is rated compare to other brands out there.  Am I connoisseur or less than average taste for Ramen.  </a:t>
+            </a:r>
+          </a:p>
+          <a:p>
+            <a:pPr marL="0" indent="0">
+              <a:buNone/>
+            </a:pPr>
+            <a:r>
+              <a:rPr lang="en-US" dirty="0"/>
+              <a:t>These are the brand of ramen I consume</a:t>
+            </a:r>
+          </a:p>
+          <a:p>
+            <a:pPr marL="0" indent="0">
+              <a:buNone/>
+            </a:pPr>
+            <a:endParaRPr lang="en-US" dirty="0"/>
+          </a:p>
+          <a:p>
+            <a:pPr marL="0" indent="0">
+              <a:buNone/>
+            </a:pPr>
+            <a:endParaRPr lang="en-US" dirty="0"/>
+          </a:p>
+          <a:p>
+            <a:pPr marL="0" indent="0">
+              <a:buNone/>
+            </a:pPr>
+            <a:endParaRPr lang="en-US" dirty="0"/>
+          </a:p>
+          <a:p>
+            <a:endParaRPr lang="en-US" dirty="0"/>
+          </a:p>
+        </p:txBody>
+      </p:sp>
+      <p:pic>
+        <p:nvPicPr>
+          <p:cNvPr id="4" name="Picture 3">
+            <a:extLst>
+              <a:ext uri="{FF2B5EF4-FFF2-40B4-BE49-F238E27FC236}">
+                <a16:creationId xmlns:a16="http://schemas.microsoft.com/office/drawing/2014/main" id="{7DBF3B91-508F-4025-96BF-073D11BFD28A}"/>
+              </a:ext>
+            </a:extLst>
+          </p:cNvPr>
+          <p:cNvPicPr>
+            <a:picLocks noChangeAspect="1"/>
+          </p:cNvPicPr>
+          <p:nvPr/>
+        </p:nvPicPr>
+        <p:blipFill>
+          <a:blip r:embed="rId2"/>
+          <a:stretch>
+            <a:fillRect/>
+          </a:stretch>
+        </p:blipFill>
+        <p:spPr>
+          <a:xfrm>
+            <a:off x="291178" y="3429000"/>
+            <a:ext cx="2612604" cy="3151013"/>
+          </a:xfrm>
+          <a:prstGeom prst="rect">
+            <a:avLst/>
+          </a:prstGeom>
+        </p:spPr>
+      </p:pic>
+      <p:pic>
+        <p:nvPicPr>
+          <p:cNvPr id="5" name="Picture 4">
+            <a:extLst>
+              <a:ext uri="{FF2B5EF4-FFF2-40B4-BE49-F238E27FC236}">
+                <a16:creationId xmlns:a16="http://schemas.microsoft.com/office/drawing/2014/main" id="{6D626B49-32AE-44E7-B657-1C82D3ED5592}"/>
+              </a:ext>
+            </a:extLst>
+          </p:cNvPr>
+          <p:cNvPicPr>
+            <a:picLocks noChangeAspect="1"/>
+          </p:cNvPicPr>
+          <p:nvPr/>
+        </p:nvPicPr>
+        <p:blipFill>
+          <a:blip r:embed="rId3"/>
+          <a:stretch>
+            <a:fillRect/>
+          </a:stretch>
+        </p:blipFill>
+        <p:spPr>
+          <a:xfrm>
+            <a:off x="7213468" y="426326"/>
+            <a:ext cx="4457700" cy="3343275"/>
+          </a:xfrm>
+          <a:prstGeom prst="rect">
+            <a:avLst/>
+          </a:prstGeom>
+        </p:spPr>
+      </p:pic>
+      <p:pic>
+        <p:nvPicPr>
+          <p:cNvPr id="6" name="Picture 5">
+            <a:extLst>
+              <a:ext uri="{FF2B5EF4-FFF2-40B4-BE49-F238E27FC236}">
+                <a16:creationId xmlns:a16="http://schemas.microsoft.com/office/drawing/2014/main" id="{8C3DD519-42F4-4E35-B97E-B39311164A3D}"/>
+              </a:ext>
+            </a:extLst>
+          </p:cNvPr>
+          <p:cNvPicPr>
+            <a:picLocks noChangeAspect="1"/>
+          </p:cNvPicPr>
+          <p:nvPr/>
+        </p:nvPicPr>
+        <p:blipFill>
+          <a:blip r:embed="rId4"/>
+          <a:stretch>
+            <a:fillRect/>
+          </a:stretch>
+        </p:blipFill>
+        <p:spPr>
+          <a:xfrm>
+            <a:off x="3988377" y="3693380"/>
+            <a:ext cx="8039100" cy="1066800"/>
+          </a:xfrm>
+          <a:prstGeom prst="rect">
+            <a:avLst/>
+          </a:prstGeom>
+        </p:spPr>
+      </p:pic>
+      <p:sp>
+        <p:nvSpPr>
+          <p:cNvPr id="7" name="TextBox 6">
+            <a:extLst>
+              <a:ext uri="{FF2B5EF4-FFF2-40B4-BE49-F238E27FC236}">
+                <a16:creationId xmlns:a16="http://schemas.microsoft.com/office/drawing/2014/main" id="{0DFB03A7-3EE8-46F5-B1B4-4F459E8C5769}"/>
+              </a:ext>
+            </a:extLst>
+          </p:cNvPr>
+          <p:cNvSpPr txBox="1"/>
+          <p:nvPr/>
+        </p:nvSpPr>
+        <p:spPr>
+          <a:xfrm>
+            <a:off x="3210025" y="6323229"/>
+            <a:ext cx="4251960" cy="369332"/>
+          </a:xfrm>
+          <a:prstGeom prst="rect">
+            <a:avLst/>
+          </a:prstGeom>
+          <a:noFill/>
+        </p:spPr>
+        <p:txBody>
+          <a:bodyPr wrap="square" rtlCol="0">
+            <a:spAutoFit/>
+          </a:bodyPr>
+          <a:lstStyle/>
+          <a:p>
+            <a:r>
+              <a:rPr lang="en-US" dirty="0"/>
+              <a:t>I was unable to find this flavor in my rating</a:t>
+            </a:r>
+          </a:p>
+        </p:txBody>
+      </p:sp>
+      <p:pic>
+        <p:nvPicPr>
+          <p:cNvPr id="8" name="Picture 7">
+            <a:extLst>
+              <a:ext uri="{FF2B5EF4-FFF2-40B4-BE49-F238E27FC236}">
+                <a16:creationId xmlns:a16="http://schemas.microsoft.com/office/drawing/2014/main" id="{D6D9FE9C-690C-43E7-BBE1-97AC84968223}"/>
+              </a:ext>
+            </a:extLst>
+          </p:cNvPr>
+          <p:cNvPicPr>
+            <a:picLocks noChangeAspect="1"/>
+          </p:cNvPicPr>
+          <p:nvPr/>
+        </p:nvPicPr>
+        <p:blipFill>
+          <a:blip r:embed="rId5"/>
+          <a:stretch>
+            <a:fillRect/>
+          </a:stretch>
+        </p:blipFill>
+        <p:spPr>
+          <a:xfrm>
+            <a:off x="3210025" y="5145799"/>
+            <a:ext cx="6600825" cy="1285875"/>
+          </a:xfrm>
+          <a:prstGeom prst="rect">
+            <a:avLst/>
+          </a:prstGeom>
+        </p:spPr>
+      </p:pic>
+    </p:spTree>
+    <p:extLst>
+      <p:ext uri="{BB962C8B-B14F-4D97-AF65-F5344CB8AC3E}">
+        <p14:creationId xmlns:p14="http://schemas.microsoft.com/office/powerpoint/2010/main" val="1805080605"/>
+      </p:ext>
+    </p:extLst>
+  </p:cSld>
+  <p:clrMapOvr>
+    <a:masterClrMapping/>
+  </p:clrMapOvr>
+</p:sld>
+</file>
+
+<file path=ppt/slides/slide4.xml><?xml version="1.0" encoding="utf-8"?>
+<p:sld xmlns:a="http://schemas.openxmlformats.org/drawingml/2006/main" xmlns:r="http://schemas.openxmlformats.org/officeDocument/2006/relationships" xmlns:p="http://schemas.openxmlformats.org/presentationml/2006/main">
+  <p:cSld>
+    <p:spTree>
+      <p:nvGrpSpPr>
+        <p:cNvPr id="1" name=""/>
+        <p:cNvGrpSpPr/>
+        <p:nvPr/>
+      </p:nvGrpSpPr>
+      <p:grpSpPr>
+        <a:xfrm>
+          <a:off x="0" y="0"/>
+          <a:ext cx="0" cy="0"/>
+          <a:chOff x="0" y="0"/>
+          <a:chExt cx="0" cy="0"/>
+        </a:xfrm>
+      </p:grpSpPr>
+      <p:pic>
+        <p:nvPicPr>
+          <p:cNvPr id="4" name="Content Placeholder 3">
+            <a:extLst>
+              <a:ext uri="{FF2B5EF4-FFF2-40B4-BE49-F238E27FC236}">
+                <a16:creationId xmlns:a16="http://schemas.microsoft.com/office/drawing/2014/main" id="{B92100F0-EFB1-497D-AC0A-C801B86AA8B1}"/>
+              </a:ext>
+            </a:extLst>
+          </p:cNvPr>
+          <p:cNvPicPr>
+            <a:picLocks noGrp="1" noChangeAspect="1"/>
+          </p:cNvPicPr>
+          <p:nvPr>
+            <p:ph idx="1"/>
+          </p:nvPr>
+        </p:nvPicPr>
+        <p:blipFill>
+          <a:blip r:embed="rId2"/>
+          <a:stretch>
+            <a:fillRect/>
+          </a:stretch>
+        </p:blipFill>
+        <p:spPr>
+          <a:xfrm>
+            <a:off x="856672" y="1561801"/>
+            <a:ext cx="3695700" cy="3124200"/>
+          </a:xfrm>
+          <a:prstGeom prst="rect">
+            <a:avLst/>
+          </a:prstGeom>
+        </p:spPr>
+      </p:pic>
+      <p:sp>
+        <p:nvSpPr>
+          <p:cNvPr id="5" name="TextBox 4">
+            <a:extLst>
+              <a:ext uri="{FF2B5EF4-FFF2-40B4-BE49-F238E27FC236}">
+                <a16:creationId xmlns:a16="http://schemas.microsoft.com/office/drawing/2014/main" id="{832A96F3-8E9B-479E-B7DC-99A5C7C86AD0}"/>
+              </a:ext>
+            </a:extLst>
+          </p:cNvPr>
+          <p:cNvSpPr txBox="1"/>
+          <p:nvPr/>
+        </p:nvSpPr>
+        <p:spPr>
+          <a:xfrm>
+            <a:off x="1108364" y="738909"/>
+            <a:ext cx="8423563" cy="646331"/>
+          </a:xfrm>
+          <a:prstGeom prst="rect">
+            <a:avLst/>
+          </a:prstGeom>
+          <a:noFill/>
+        </p:spPr>
+        <p:txBody>
+          <a:bodyPr wrap="square" rtlCol="0">
+            <a:spAutoFit/>
+          </a:bodyPr>
+          <a:lstStyle/>
+          <a:p>
+            <a:r>
+              <a:rPr lang="en-US" dirty="0"/>
+              <a:t>The average star rating for all the ramen is 3.75.  The Ramen I like was has a rating of 5.  I like noodle that are above average</a:t>
+            </a:r>
+          </a:p>
+        </p:txBody>
+      </p:sp>
+    </p:spTree>
+    <p:extLst>
+      <p:ext uri="{BB962C8B-B14F-4D97-AF65-F5344CB8AC3E}">
+        <p14:creationId xmlns:p14="http://schemas.microsoft.com/office/powerpoint/2010/main" val="1154526810"/>
+      </p:ext>
+    </p:extLst>
+  </p:cSld>
+  <p:clrMapOvr>
+    <a:masterClrMapping/>
+  </p:clrMapOvr>
+</p:sld>
+</file>
+
+<file path=ppt/slides/slide5.xml><?xml version="1.0" encoding="utf-8"?>
+<p:sld xmlns:a="http://schemas.openxmlformats.org/drawingml/2006/main" xmlns:r="http://schemas.openxmlformats.org/officeDocument/2006/relationships" xmlns:p="http://schemas.openxmlformats.org/presentationml/2006/main">
+  <p:cSld>
+    <p:spTree>
+      <p:nvGrpSpPr>
+        <p:cNvPr id="1" name=""/>
+        <p:cNvGrpSpPr/>
+        <p:nvPr/>
+      </p:nvGrpSpPr>
+      <p:grpSpPr>
+        <a:xfrm>
+          <a:off x="0" y="0"/>
+          <a:ext cx="0" cy="0"/>
+          <a:chOff x="0" y="0"/>
+          <a:chExt cx="0" cy="0"/>
+        </a:xfrm>
+      </p:grpSpPr>
+      <p:sp>
+        <p:nvSpPr>
+          <p:cNvPr id="3" name="Content Placeholder 2">
+            <a:extLst>
+              <a:ext uri="{FF2B5EF4-FFF2-40B4-BE49-F238E27FC236}">
+                <a16:creationId xmlns:a16="http://schemas.microsoft.com/office/drawing/2014/main" id="{056FCF63-97E3-4A68-A6CD-D4D1E983B936}"/>
+              </a:ext>
+            </a:extLst>
+          </p:cNvPr>
+          <p:cNvSpPr>
+            <a:spLocks noGrp="1"/>
+          </p:cNvSpPr>
+          <p:nvPr>
+            <p:ph idx="1"/>
+          </p:nvPr>
+        </p:nvSpPr>
+        <p:spPr>
+          <a:xfrm>
+            <a:off x="694508" y="349522"/>
+            <a:ext cx="10515600" cy="4351338"/>
+          </a:xfrm>
+        </p:spPr>
+        <p:txBody>
+          <a:bodyPr/>
+          <a:lstStyle/>
+          <a:p>
+            <a:r>
+              <a:rPr lang="en-US" dirty="0"/>
+              <a:t>How many country do you think produces ramen?</a:t>
+            </a:r>
+          </a:p>
+          <a:p>
+            <a:pPr marL="457200" lvl="1" indent="0">
+              <a:buNone/>
+            </a:pPr>
+            <a:r>
+              <a:rPr lang="en-US" dirty="0"/>
+              <a:t>There are </a:t>
+            </a:r>
+          </a:p>
+          <a:p>
+            <a:pPr marL="457200" lvl="1" indent="0">
+              <a:buNone/>
+            </a:pPr>
+            <a:endParaRPr lang="en-US" dirty="0"/>
+          </a:p>
+          <a:p>
+            <a:endParaRPr lang="en-US" dirty="0"/>
+          </a:p>
+          <a:p>
+            <a:endParaRPr lang="en-US" dirty="0"/>
+          </a:p>
+          <a:p>
+            <a:endParaRPr lang="en-US" dirty="0"/>
+          </a:p>
+          <a:p>
+            <a:endParaRPr lang="en-US" dirty="0"/>
+          </a:p>
+          <a:p>
+            <a:endParaRPr lang="en-US" dirty="0"/>
+          </a:p>
+          <a:p>
+            <a:pPr marL="0" indent="0">
+              <a:buNone/>
+            </a:pPr>
+            <a:endParaRPr lang="en-US" dirty="0"/>
+          </a:p>
+        </p:txBody>
+      </p:sp>
+      <p:pic>
+        <p:nvPicPr>
+          <p:cNvPr id="5" name="Picture 4">
+            <a:extLst>
+              <a:ext uri="{FF2B5EF4-FFF2-40B4-BE49-F238E27FC236}">
+                <a16:creationId xmlns:a16="http://schemas.microsoft.com/office/drawing/2014/main" id="{BABAE5D3-AF42-4C60-A829-DB30380E06D1}"/>
+              </a:ext>
+            </a:extLst>
+          </p:cNvPr>
+          <p:cNvPicPr>
+            <a:picLocks noChangeAspect="1"/>
+          </p:cNvPicPr>
+          <p:nvPr/>
+        </p:nvPicPr>
+        <p:blipFill>
+          <a:blip r:embed="rId2"/>
+          <a:stretch>
+            <a:fillRect/>
+          </a:stretch>
+        </p:blipFill>
+        <p:spPr>
+          <a:xfrm>
+            <a:off x="3281362" y="1881187"/>
+            <a:ext cx="5629275" cy="3095625"/>
+          </a:xfrm>
+          <a:prstGeom prst="rect">
+            <a:avLst/>
+          </a:prstGeom>
+        </p:spPr>
+      </p:pic>
+    </p:spTree>
+    <p:extLst>
+      <p:ext uri="{BB962C8B-B14F-4D97-AF65-F5344CB8AC3E}">
+        <p14:creationId xmlns:p14="http://schemas.microsoft.com/office/powerpoint/2010/main" val="760897629"/>
+      </p:ext>
+    </p:extLst>
+  </p:cSld>
+  <p:clrMapOvr>
+    <a:masterClrMapping/>
+  </p:clrMapOvr>
+</p:sld>
+</file>
+
+<file path=ppt/slides/slide6.xml><?xml version="1.0" encoding="utf-8"?>
+<p:sld xmlns:a="http://schemas.openxmlformats.org/drawingml/2006/main" xmlns:r="http://schemas.openxmlformats.org/officeDocument/2006/relationships" xmlns:p="http://schemas.openxmlformats.org/presentationml/2006/main">
+  <p:cSld>
+    <p:spTree>
+      <p:nvGrpSpPr>
+        <p:cNvPr id="1" name=""/>
+        <p:cNvGrpSpPr/>
+        <p:nvPr/>
+      </p:nvGrpSpPr>
+      <p:grpSpPr>
+        <a:xfrm>
+          <a:off x="0" y="0"/>
+          <a:ext cx="0" cy="0"/>
+          <a:chOff x="0" y="0"/>
+          <a:chExt cx="0" cy="0"/>
+        </a:xfrm>
+      </p:grpSpPr>
+      <p:sp>
+        <p:nvSpPr>
+          <p:cNvPr id="2" name="Title 1">
+            <a:extLst>
+              <a:ext uri="{FF2B5EF4-FFF2-40B4-BE49-F238E27FC236}">
+                <a16:creationId xmlns:a16="http://schemas.microsoft.com/office/drawing/2014/main" id="{7C940764-4AC4-44BF-93B8-00C611A6F856}"/>
+              </a:ext>
+            </a:extLst>
+          </p:cNvPr>
+          <p:cNvSpPr>
+            <a:spLocks noGrp="1"/>
+          </p:cNvSpPr>
+          <p:nvPr>
+            <p:ph type="title"/>
+          </p:nvPr>
+        </p:nvSpPr>
+        <p:spPr/>
+        <p:txBody>
+          <a:bodyPr/>
+          <a:lstStyle/>
+          <a:p>
+            <a:r>
+              <a:rPr lang="en-US" dirty="0"/>
+              <a:t>Her is a breakdown of how many product is produce in each country</a:t>
+            </a:r>
+          </a:p>
+        </p:txBody>
+      </p:sp>
+      <p:pic>
+        <p:nvPicPr>
+          <p:cNvPr id="4" name="Content Placeholder 3">
+            <a:extLst>
+              <a:ext uri="{FF2B5EF4-FFF2-40B4-BE49-F238E27FC236}">
+                <a16:creationId xmlns:a16="http://schemas.microsoft.com/office/drawing/2014/main" id="{CEEFF2A1-88BF-46AC-BCE6-44AB33EF391A}"/>
+              </a:ext>
+            </a:extLst>
+          </p:cNvPr>
+          <p:cNvPicPr>
+            <a:picLocks noGrp="1" noChangeAspect="1"/>
+          </p:cNvPicPr>
+          <p:nvPr>
+            <p:ph idx="1"/>
+          </p:nvPr>
+        </p:nvPicPr>
+        <p:blipFill>
+          <a:blip r:embed="rId2"/>
+          <a:stretch>
+            <a:fillRect/>
+          </a:stretch>
+        </p:blipFill>
+        <p:spPr>
+          <a:xfrm>
+            <a:off x="948605" y="2019589"/>
+            <a:ext cx="5473408" cy="4351338"/>
+          </a:xfrm>
+          <a:prstGeom prst="rect">
+            <a:avLst/>
+          </a:prstGeom>
+        </p:spPr>
+      </p:pic>
+    </p:spTree>
+    <p:extLst>
+      <p:ext uri="{BB962C8B-B14F-4D97-AF65-F5344CB8AC3E}">
+        <p14:creationId xmlns:p14="http://schemas.microsoft.com/office/powerpoint/2010/main" val="3673705594"/>
+      </p:ext>
+    </p:extLst>
+  </p:cSld>
+  <p:clrMapOvr>
+    <a:masterClrMapping/>
+  </p:clrMapOvr>
+</p:sld>
+</file>
+
+<file path=ppt/slides/slide7.xml><?xml version="1.0" encoding="utf-8"?>
+<p:sld xmlns:a="http://schemas.openxmlformats.org/drawingml/2006/main" xmlns:r="http://schemas.openxmlformats.org/officeDocument/2006/relationships" xmlns:p="http://schemas.openxmlformats.org/presentationml/2006/main">
+  <p:cSld>
+    <p:spTree>
+      <p:nvGrpSpPr>
+        <p:cNvPr id="1" name=""/>
+        <p:cNvGrpSpPr/>
+        <p:nvPr/>
+      </p:nvGrpSpPr>
+      <p:grpSpPr>
+        <a:xfrm>
+          <a:off x="0" y="0"/>
+          <a:ext cx="0" cy="0"/>
+          <a:chOff x="0" y="0"/>
+          <a:chExt cx="0" cy="0"/>
+        </a:xfrm>
+      </p:grpSpPr>
+      <p:sp>
+        <p:nvSpPr>
+          <p:cNvPr id="3" name="Content Placeholder 2">
+            <a:extLst>
+              <a:ext uri="{FF2B5EF4-FFF2-40B4-BE49-F238E27FC236}">
+                <a16:creationId xmlns:a16="http://schemas.microsoft.com/office/drawing/2014/main" id="{98AD74A7-1B69-4E1D-96D4-8DF3954EBD63}"/>
+              </a:ext>
+            </a:extLst>
+          </p:cNvPr>
+          <p:cNvSpPr>
+            <a:spLocks noGrp="1"/>
+          </p:cNvSpPr>
+          <p:nvPr>
+            <p:ph idx="1"/>
+          </p:nvPr>
+        </p:nvSpPr>
+        <p:spPr>
+          <a:xfrm>
+            <a:off x="706464" y="306791"/>
+            <a:ext cx="10515600" cy="4351338"/>
+          </a:xfrm>
+        </p:spPr>
+        <p:txBody>
+          <a:bodyPr/>
+          <a:lstStyle/>
+          <a:p>
+            <a:pPr marL="0" indent="0">
+              <a:buNone/>
+            </a:pPr>
+            <a:r>
+              <a:rPr lang="en-US" dirty="0"/>
+              <a:t>From the production of instant ramen I can see that sales can only increase in the future as this product is produce from Asia, United States, Europe, Middle East</a:t>
+            </a:r>
+            <a:r>
+              <a:rPr lang="en-US"/>
+              <a:t>, Africa.</a:t>
+            </a:r>
+            <a:endParaRPr lang="en-US" dirty="0"/>
+          </a:p>
+        </p:txBody>
+      </p:sp>
+    </p:spTree>
+    <p:extLst>
+      <p:ext uri="{BB962C8B-B14F-4D97-AF65-F5344CB8AC3E}">
+        <p14:creationId xmlns:p14="http://schemas.microsoft.com/office/powerpoint/2010/main" val="263752374"/>
       </p:ext>
     </p:extLst>
   </p:cSld>
